--- a/week15/report.pptx
+++ b/week15/report.pptx
@@ -5,10 +5,10 @@
     <p:sldMasterId id="2147483696" r:id="rId4"/>
   </p:sldMasterIdLst>
   <p:notesMasterIdLst>
-    <p:notesMasterId r:id="rId16"/>
+    <p:notesMasterId r:id="rId17"/>
   </p:notesMasterIdLst>
   <p:handoutMasterIdLst>
-    <p:handoutMasterId r:id="rId17"/>
+    <p:handoutMasterId r:id="rId18"/>
   </p:handoutMasterIdLst>
   <p:sldIdLst>
     <p:sldId id="314" r:id="rId5"/>
@@ -19,9 +19,10 @@
     <p:sldId id="331" r:id="rId10"/>
     <p:sldId id="318" r:id="rId11"/>
     <p:sldId id="328" r:id="rId12"/>
-    <p:sldId id="329" r:id="rId13"/>
-    <p:sldId id="316" r:id="rId14"/>
-    <p:sldId id="317" r:id="rId15"/>
+    <p:sldId id="332" r:id="rId13"/>
+    <p:sldId id="333" r:id="rId14"/>
+    <p:sldId id="316" r:id="rId15"/>
+    <p:sldId id="317" r:id="rId16"/>
   </p:sldIdLst>
   <p:sldSz cx="12192000" cy="6858000"/>
   <p:notesSz cx="6858000" cy="9144000"/>
@@ -133,7 +134,8 @@
             <p14:sldId id="331"/>
             <p14:sldId id="318"/>
             <p14:sldId id="328"/>
-            <p14:sldId id="329"/>
+            <p14:sldId id="332"/>
+            <p14:sldId id="333"/>
             <p14:sldId id="316"/>
             <p14:sldId id="317"/>
           </p14:sldIdLst>
@@ -1226,7 +1228,7 @@
                 <a:latin typeface="Microsoft JhengHei UI" panose="020B0604030504040204" pitchFamily="34" charset="-120"/>
                 <a:ea typeface="Microsoft JhengHei UI" panose="020B0604030504040204" pitchFamily="34" charset="-120"/>
               </a:rPr>
-              <a:t>10</a:t>
+              <a:t>11</a:t>
             </a:fld>
             <a:endParaRPr lang="zh-TW" altLang="en-US">
               <a:latin typeface="Microsoft JhengHei UI" panose="020B0604030504040204" pitchFamily="34" charset="-120"/>
@@ -1320,7 +1322,7 @@
                 <a:latin typeface="Microsoft JhengHei UI" panose="020B0604030504040204" pitchFamily="34" charset="-120"/>
                 <a:ea typeface="Microsoft JhengHei UI" panose="020B0604030504040204" pitchFamily="34" charset="-120"/>
               </a:rPr>
-              <a:t>11</a:t>
+              <a:t>12</a:t>
             </a:fld>
             <a:endParaRPr lang="zh-TW" altLang="en-US">
               <a:latin typeface="Microsoft JhengHei UI" panose="020B0604030504040204" pitchFamily="34" charset="-120"/>
@@ -12768,7 +12770,13 @@
   <p:cSld>
     <p:spTree>
       <p:nvGrpSpPr>
-        <p:cNvPr id="1" name=""/>
+        <p:cNvPr id="1" name="">
+          <a:extLst>
+            <a:ext uri="{FF2B5EF4-FFF2-40B4-BE49-F238E27FC236}">
+              <a16:creationId xmlns:a16="http://schemas.microsoft.com/office/drawing/2014/main" id="{DE56CDFE-EF42-B204-012F-7DA4C8A53859}"/>
+            </a:ext>
+          </a:extLst>
+        </p:cNvPr>
         <p:cNvGrpSpPr/>
         <p:nvPr/>
       </p:nvGrpSpPr>
@@ -12785,7 +12793,7 @@
           <p:cNvPr id="2" name="標題 1">
             <a:extLst>
               <a:ext uri="{FF2B5EF4-FFF2-40B4-BE49-F238E27FC236}">
-                <a16:creationId xmlns:a16="http://schemas.microsoft.com/office/drawing/2014/main" id="{009FB28F-C9D7-439B-B863-44B4E851A0B0}"/>
+                <a16:creationId xmlns:a16="http://schemas.microsoft.com/office/drawing/2014/main" id="{3ECDA444-A7AE-A239-5A1B-EB4D43A0FBFA}"/>
               </a:ext>
             </a:extLst>
           </p:cNvPr>
@@ -12793,187 +12801,37 @@
             <a:spLocks noGrp="1"/>
           </p:cNvSpPr>
           <p:nvPr>
-            <p:ph type="ctrTitle"/>
+            <p:ph type="title"/>
           </p:nvPr>
         </p:nvSpPr>
-        <p:spPr/>
+        <p:spPr>
+          <a:xfrm>
+            <a:off x="838200" y="325369"/>
+            <a:ext cx="10515600" cy="838147"/>
+          </a:xfrm>
+        </p:spPr>
         <p:txBody>
-          <a:bodyPr rtlCol="0"/>
+          <a:bodyPr>
+            <a:normAutofit/>
+          </a:bodyPr>
           <a:lstStyle/>
           <a:p>
-            <a:pPr rtl="0"/>
-            <a:r>
-              <a:rPr lang="zh-TW" altLang="en-US" dirty="0">
-                <a:ea typeface="Microsoft JhengHei UI" panose="020B0604030504040204" pitchFamily="34" charset="-120"/>
-              </a:rPr>
-              <a:t>課後心得</a:t>
-            </a:r>
+            <a:r>
+              <a:rPr lang="en-US" altLang="zh-TW" dirty="0"/>
+              <a:t>React + Vite</a:t>
+            </a:r>
+            <a:endParaRPr lang="zh-TW" altLang="en-US" dirty="0">
+              <a:latin typeface="+mj-lt"/>
+            </a:endParaRPr>
           </a:p>
         </p:txBody>
       </p:sp>
       <p:sp>
         <p:nvSpPr>
-          <p:cNvPr id="8" name="副標題 7">
-            <a:extLst>
-              <a:ext uri="{FF2B5EF4-FFF2-40B4-BE49-F238E27FC236}">
-                <a16:creationId xmlns:a16="http://schemas.microsoft.com/office/drawing/2014/main" id="{50061247-EA4F-4DFA-AFCE-648487762CF7}"/>
-              </a:ext>
-            </a:extLst>
-          </p:cNvPr>
-          <p:cNvSpPr>
-            <a:spLocks noGrp="1"/>
-          </p:cNvSpPr>
-          <p:nvPr>
-            <p:ph type="subTitle" idx="1"/>
-          </p:nvPr>
-        </p:nvSpPr>
-        <p:spPr/>
-        <p:txBody>
-          <a:bodyPr rtlCol="0"/>
-          <a:lstStyle/>
-          <a:p>
-            <a:pPr rtl="0"/>
-            <a:r>
-              <a:rPr lang="zh-TW" altLang="en-US" dirty="0">
-                <a:ea typeface="Microsoft JhengHei UI" panose="020B0604030504040204" pitchFamily="34" charset="-120"/>
-              </a:rPr>
-              <a:t>好快就教到非同步單元，學到了該怎麼操作回傳函數、等待時間及兌現物件，非同步</a:t>
-            </a:r>
-            <a:r>
-              <a:rPr lang="zh-TW" altLang="en-US" dirty="0"/>
-              <a:t>特別在</a:t>
-            </a:r>
-            <a:r>
-              <a:rPr lang="en-US" altLang="zh-TW" dirty="0"/>
-              <a:t>IO</a:t>
-            </a:r>
-            <a:r>
-              <a:rPr lang="zh-TW" altLang="en-US" dirty="0"/>
-              <a:t>端口用最多，像是在按按鈕時，在執行主程式時會異步執行按鈕的函數，這樣就可以不用先等按鈕執行完才回來主程式，在大量</a:t>
-            </a:r>
-            <a:r>
-              <a:rPr lang="en-US" altLang="zh-TW" dirty="0"/>
-              <a:t>IO</a:t>
-            </a:r>
-            <a:r>
-              <a:rPr lang="zh-TW" altLang="en-US" dirty="0"/>
-              <a:t>端口執行下會快很多。</a:t>
-            </a:r>
-            <a:endParaRPr lang="zh-TW" altLang="en-US" dirty="0">
-              <a:ea typeface="Microsoft JhengHei UI" panose="020B0604030504040204" pitchFamily="34" charset="-120"/>
-            </a:endParaRPr>
-          </a:p>
-        </p:txBody>
-      </p:sp>
-      <p:pic>
-        <p:nvPicPr>
-          <p:cNvPr id="22" name="圖片版面配置區 21" descr="暮色中的群山">
-            <a:extLst>
-              <a:ext uri="{FF2B5EF4-FFF2-40B4-BE49-F238E27FC236}">
-                <a16:creationId xmlns:a16="http://schemas.microsoft.com/office/drawing/2014/main" id="{D8AC51EB-1C22-4303-8354-FC97950C7DE6}"/>
-              </a:ext>
-            </a:extLst>
-          </p:cNvPr>
-          <p:cNvPicPr>
-            <a:picLocks noGrp="1" noChangeAspect="1"/>
-          </p:cNvPicPr>
-          <p:nvPr>
-            <p:ph type="pic" sz="quarter" idx="13"/>
-          </p:nvPr>
-        </p:nvPicPr>
-        <p:blipFill rotWithShape="1">
-          <a:blip r:embed="rId3"/>
-          <a:srcRect t="63" b="63"/>
-          <a:stretch/>
-        </p:blipFill>
-        <p:spPr/>
-      </p:pic>
-      <p:pic>
-        <p:nvPicPr>
-          <p:cNvPr id="18" name="圖片版面配置區 17" descr="日落時的群山">
-            <a:extLst>
-              <a:ext uri="{FF2B5EF4-FFF2-40B4-BE49-F238E27FC236}">
-                <a16:creationId xmlns:a16="http://schemas.microsoft.com/office/drawing/2014/main" id="{B503D699-E643-4969-9463-5C6331D0C869}"/>
-              </a:ext>
-            </a:extLst>
-          </p:cNvPr>
-          <p:cNvPicPr>
-            <a:picLocks noGrp="1" noChangeAspect="1"/>
-          </p:cNvPicPr>
-          <p:nvPr>
-            <p:ph type="pic" sz="quarter" idx="14"/>
-          </p:nvPr>
-        </p:nvPicPr>
-        <p:blipFill rotWithShape="1">
-          <a:blip r:embed="rId4"/>
-          <a:srcRect t="177" b="177"/>
-          <a:stretch/>
-        </p:blipFill>
-        <p:spPr/>
-      </p:pic>
-      <p:pic>
-        <p:nvPicPr>
-          <p:cNvPr id="20" name="圖片版面配置區 19" descr="日落時的群山">
-            <a:extLst>
-              <a:ext uri="{FF2B5EF4-FFF2-40B4-BE49-F238E27FC236}">
-                <a16:creationId xmlns:a16="http://schemas.microsoft.com/office/drawing/2014/main" id="{B8714555-7486-4DD7-A96C-52C276483584}"/>
-              </a:ext>
-            </a:extLst>
-          </p:cNvPr>
-          <p:cNvPicPr>
-            <a:picLocks noGrp="1" noChangeAspect="1"/>
-          </p:cNvPicPr>
-          <p:nvPr>
-            <p:ph type="pic" sz="quarter" idx="15"/>
-          </p:nvPr>
-        </p:nvPicPr>
-        <p:blipFill rotWithShape="1">
-          <a:blip r:embed="rId5"/>
-          <a:srcRect t="209" b="209"/>
-          <a:stretch/>
-        </p:blipFill>
-        <p:spPr/>
-      </p:pic>
-      <p:sp>
-        <p:nvSpPr>
-          <p:cNvPr id="23" name="頁尾版面配置區 22">
-            <a:extLst>
-              <a:ext uri="{FF2B5EF4-FFF2-40B4-BE49-F238E27FC236}">
-                <a16:creationId xmlns:a16="http://schemas.microsoft.com/office/drawing/2014/main" id="{249ACE4E-0038-4BA2-8883-8C3F73B79C44}"/>
-              </a:ext>
-            </a:extLst>
-          </p:cNvPr>
-          <p:cNvSpPr>
-            <a:spLocks noGrp="1"/>
-          </p:cNvSpPr>
-          <p:nvPr>
-            <p:ph type="ftr" sz="quarter" idx="11"/>
-          </p:nvPr>
-        </p:nvSpPr>
-        <p:spPr/>
-        <p:txBody>
-          <a:bodyPr rtlCol="0"/>
-          <a:lstStyle/>
-          <a:p>
-            <a:r>
-              <a:rPr lang="en-US" altLang="zh-TW" noProof="0" dirty="0">
-                <a:latin typeface="+mj-lt"/>
-              </a:rPr>
-              <a:t>JS and react</a:t>
-            </a:r>
-            <a:endParaRPr lang="zh-TW" altLang="en-US" noProof="0" dirty="0">
-              <a:latin typeface="+mj-lt"/>
-              <a:ea typeface="Microsoft JhengHei UI" panose="020B0604030504040204" pitchFamily="34" charset="-120"/>
-            </a:endParaRPr>
-          </a:p>
-        </p:txBody>
-      </p:sp>
-      <p:sp>
-        <p:nvSpPr>
-          <p:cNvPr id="24" name="投影片編號版面配置區 23">
-            <a:extLst>
-              <a:ext uri="{FF2B5EF4-FFF2-40B4-BE49-F238E27FC236}">
-                <a16:creationId xmlns:a16="http://schemas.microsoft.com/office/drawing/2014/main" id="{9A686A52-7630-4675-B383-8C2AD252EC1F}"/>
+          <p:cNvPr id="4" name="投影片編號版面配置區 3">
+            <a:extLst>
+              <a:ext uri="{FF2B5EF4-FFF2-40B4-BE49-F238E27FC236}">
+                <a16:creationId xmlns:a16="http://schemas.microsoft.com/office/drawing/2014/main" id="{8F75FEBF-567B-FE74-94D8-E16A013FD64D}"/>
               </a:ext>
             </a:extLst>
           </p:cNvPr>
@@ -12986,19 +12844,531 @@
         </p:nvSpPr>
         <p:spPr/>
         <p:txBody>
-          <a:bodyPr rtlCol="0"/>
+          <a:bodyPr/>
           <a:lstStyle/>
           <a:p>
-            <a:pPr rtl="0"/>
             <a:fld id="{D8DA9DAA-006C-4F4B-980E-E3DF019B24E2}" type="slidenum">
-              <a:rPr lang="en-US" altLang="zh-TW" smtClean="0">
-                <a:ea typeface="Microsoft JhengHei UI" panose="020B0604030504040204" pitchFamily="34" charset="-120"/>
-              </a:rPr>
-              <a:pPr rtl="0"/>
+              <a:rPr lang="en-US" altLang="zh-TW" noProof="0" smtClean="0"/>
+              <a:pPr/>
               <a:t>10</a:t>
             </a:fld>
-            <a:endParaRPr lang="zh-TW" altLang="en-US" dirty="0">
+            <a:endParaRPr lang="zh-TW" altLang="en-US" noProof="0" dirty="0">
+              <a:latin typeface="Microsoft JhengHei UI" panose="020B0604030504040204" pitchFamily="34" charset="-120"/>
               <a:ea typeface="Microsoft JhengHei UI" panose="020B0604030504040204" pitchFamily="34" charset="-120"/>
+            </a:endParaRPr>
+          </a:p>
+        </p:txBody>
+      </p:sp>
+      <p:sp>
+        <p:nvSpPr>
+          <p:cNvPr id="6" name="內容版面配置區 2">
+            <a:extLst>
+              <a:ext uri="{FF2B5EF4-FFF2-40B4-BE49-F238E27FC236}">
+                <a16:creationId xmlns:a16="http://schemas.microsoft.com/office/drawing/2014/main" id="{A441E8D6-25D5-070E-590B-1A3924563EFE}"/>
+              </a:ext>
+            </a:extLst>
+          </p:cNvPr>
+          <p:cNvSpPr txBox="1">
+            <a:spLocks/>
+          </p:cNvSpPr>
+          <p:nvPr/>
+        </p:nvSpPr>
+        <p:spPr>
+          <a:xfrm>
+            <a:off x="838200" y="1319082"/>
+            <a:ext cx="10591800" cy="5538917"/>
+          </a:xfrm>
+          <a:prstGeom prst="rect">
+            <a:avLst/>
+          </a:prstGeom>
+        </p:spPr>
+        <p:txBody>
+          <a:bodyPr vert="horz" lIns="91440" tIns="45720" rIns="91440" bIns="45720" rtlCol="0">
+            <a:normAutofit/>
+          </a:bodyPr>
+          <a:lstStyle>
+            <a:lvl1pPr marL="228600" indent="-228600" algn="l" defTabSz="914400" rtl="0" eaLnBrk="1" latinLnBrk="0" hangingPunct="1">
+              <a:lnSpc>
+                <a:spcPct val="90000"/>
+              </a:lnSpc>
+              <a:spcBef>
+                <a:spcPts val="1000"/>
+              </a:spcBef>
+              <a:buFont typeface="Arial" panose="020B0604020202020204" pitchFamily="34" charset="0"/>
+              <a:buChar char="•"/>
+              <a:defRPr sz="2800" kern="1200">
+                <a:solidFill>
+                  <a:schemeClr val="tx1"/>
+                </a:solidFill>
+                <a:latin typeface="Microsoft JhengHei UI" panose="020B0604030504040204" pitchFamily="34" charset="-120"/>
+                <a:ea typeface="Microsoft JhengHei UI" panose="020B0604030504040204" pitchFamily="34" charset="-120"/>
+                <a:cs typeface="+mn-cs"/>
+              </a:defRPr>
+            </a:lvl1pPr>
+            <a:lvl2pPr marL="685800" indent="-228600" algn="l" defTabSz="914400" rtl="0" eaLnBrk="1" latinLnBrk="0" hangingPunct="1">
+              <a:lnSpc>
+                <a:spcPct val="90000"/>
+              </a:lnSpc>
+              <a:spcBef>
+                <a:spcPts val="500"/>
+              </a:spcBef>
+              <a:buFont typeface="Arial" panose="020B0604020202020204" pitchFamily="34" charset="0"/>
+              <a:buChar char="•"/>
+              <a:defRPr sz="2400" kern="1200">
+                <a:solidFill>
+                  <a:schemeClr val="tx1"/>
+                </a:solidFill>
+                <a:latin typeface="Microsoft JhengHei UI" panose="020B0604030504040204" pitchFamily="34" charset="-120"/>
+                <a:ea typeface="Microsoft JhengHei UI" panose="020B0604030504040204" pitchFamily="34" charset="-120"/>
+                <a:cs typeface="+mn-cs"/>
+              </a:defRPr>
+            </a:lvl2pPr>
+            <a:lvl3pPr marL="1143000" indent="-228600" algn="l" defTabSz="914400" rtl="0" eaLnBrk="1" latinLnBrk="0" hangingPunct="1">
+              <a:lnSpc>
+                <a:spcPct val="90000"/>
+              </a:lnSpc>
+              <a:spcBef>
+                <a:spcPts val="500"/>
+              </a:spcBef>
+              <a:buFont typeface="Arial" panose="020B0604020202020204" pitchFamily="34" charset="0"/>
+              <a:buChar char="•"/>
+              <a:defRPr sz="2000" kern="1200">
+                <a:solidFill>
+                  <a:schemeClr val="tx1"/>
+                </a:solidFill>
+                <a:latin typeface="Microsoft JhengHei UI" panose="020B0604030504040204" pitchFamily="34" charset="-120"/>
+                <a:ea typeface="Microsoft JhengHei UI" panose="020B0604030504040204" pitchFamily="34" charset="-120"/>
+                <a:cs typeface="+mn-cs"/>
+              </a:defRPr>
+            </a:lvl3pPr>
+            <a:lvl4pPr marL="1600200" indent="-228600" algn="l" defTabSz="914400" rtl="0" eaLnBrk="1" latinLnBrk="0" hangingPunct="1">
+              <a:lnSpc>
+                <a:spcPct val="90000"/>
+              </a:lnSpc>
+              <a:spcBef>
+                <a:spcPts val="500"/>
+              </a:spcBef>
+              <a:buFont typeface="Arial" panose="020B0604020202020204" pitchFamily="34" charset="0"/>
+              <a:buChar char="•"/>
+              <a:defRPr sz="1800" kern="1200">
+                <a:solidFill>
+                  <a:schemeClr val="tx1"/>
+                </a:solidFill>
+                <a:latin typeface="Microsoft JhengHei UI" panose="020B0604030504040204" pitchFamily="34" charset="-120"/>
+                <a:ea typeface="Microsoft JhengHei UI" panose="020B0604030504040204" pitchFamily="34" charset="-120"/>
+                <a:cs typeface="+mn-cs"/>
+              </a:defRPr>
+            </a:lvl4pPr>
+            <a:lvl5pPr marL="2057400" indent="-228600" algn="l" defTabSz="914400" rtl="0" eaLnBrk="1" latinLnBrk="0" hangingPunct="1">
+              <a:lnSpc>
+                <a:spcPct val="90000"/>
+              </a:lnSpc>
+              <a:spcBef>
+                <a:spcPts val="500"/>
+              </a:spcBef>
+              <a:buFont typeface="Arial" panose="020B0604020202020204" pitchFamily="34" charset="0"/>
+              <a:buChar char="•"/>
+              <a:defRPr sz="1800" kern="1200">
+                <a:solidFill>
+                  <a:schemeClr val="tx1"/>
+                </a:solidFill>
+                <a:latin typeface="Microsoft JhengHei UI" panose="020B0604030504040204" pitchFamily="34" charset="-120"/>
+                <a:ea typeface="Microsoft JhengHei UI" panose="020B0604030504040204" pitchFamily="34" charset="-120"/>
+                <a:cs typeface="+mn-cs"/>
+              </a:defRPr>
+            </a:lvl5pPr>
+            <a:lvl6pPr marL="2514600" indent="-228600" algn="l" defTabSz="914400" rtl="0" eaLnBrk="1" latinLnBrk="0" hangingPunct="1">
+              <a:lnSpc>
+                <a:spcPct val="90000"/>
+              </a:lnSpc>
+              <a:spcBef>
+                <a:spcPts val="500"/>
+              </a:spcBef>
+              <a:buFont typeface="Arial" panose="020B0604020202020204" pitchFamily="34" charset="0"/>
+              <a:buChar char="•"/>
+              <a:defRPr sz="1800" kern="1200">
+                <a:solidFill>
+                  <a:schemeClr val="tx1"/>
+                </a:solidFill>
+                <a:latin typeface="+mn-lt"/>
+                <a:ea typeface="+mn-ea"/>
+                <a:cs typeface="+mn-cs"/>
+              </a:defRPr>
+            </a:lvl6pPr>
+            <a:lvl7pPr marL="2971800" indent="-228600" algn="l" defTabSz="914400" rtl="0" eaLnBrk="1" latinLnBrk="0" hangingPunct="1">
+              <a:lnSpc>
+                <a:spcPct val="90000"/>
+              </a:lnSpc>
+              <a:spcBef>
+                <a:spcPts val="500"/>
+              </a:spcBef>
+              <a:buFont typeface="Arial" panose="020B0604020202020204" pitchFamily="34" charset="0"/>
+              <a:buChar char="•"/>
+              <a:defRPr sz="1800" kern="1200">
+                <a:solidFill>
+                  <a:schemeClr val="tx1"/>
+                </a:solidFill>
+                <a:latin typeface="+mn-lt"/>
+                <a:ea typeface="+mn-ea"/>
+                <a:cs typeface="+mn-cs"/>
+              </a:defRPr>
+            </a:lvl7pPr>
+            <a:lvl8pPr marL="3429000" indent="-228600" algn="l" defTabSz="914400" rtl="0" eaLnBrk="1" latinLnBrk="0" hangingPunct="1">
+              <a:lnSpc>
+                <a:spcPct val="90000"/>
+              </a:lnSpc>
+              <a:spcBef>
+                <a:spcPts val="500"/>
+              </a:spcBef>
+              <a:buFont typeface="Arial" panose="020B0604020202020204" pitchFamily="34" charset="0"/>
+              <a:buChar char="•"/>
+              <a:defRPr sz="1800" kern="1200">
+                <a:solidFill>
+                  <a:schemeClr val="tx1"/>
+                </a:solidFill>
+                <a:latin typeface="+mn-lt"/>
+                <a:ea typeface="+mn-ea"/>
+                <a:cs typeface="+mn-cs"/>
+              </a:defRPr>
+            </a:lvl8pPr>
+            <a:lvl9pPr marL="3886200" indent="-228600" algn="l" defTabSz="914400" rtl="0" eaLnBrk="1" latinLnBrk="0" hangingPunct="1">
+              <a:lnSpc>
+                <a:spcPct val="90000"/>
+              </a:lnSpc>
+              <a:spcBef>
+                <a:spcPts val="500"/>
+              </a:spcBef>
+              <a:buFont typeface="Arial" panose="020B0604020202020204" pitchFamily="34" charset="0"/>
+              <a:buChar char="•"/>
+              <a:defRPr sz="1800" kern="1200">
+                <a:solidFill>
+                  <a:schemeClr val="tx1"/>
+                </a:solidFill>
+                <a:latin typeface="+mn-lt"/>
+                <a:ea typeface="+mn-ea"/>
+                <a:cs typeface="+mn-cs"/>
+              </a:defRPr>
+            </a:lvl9pPr>
+          </a:lstStyle>
+          <a:p>
+            <a:pPr marL="0" indent="0">
+              <a:lnSpc>
+                <a:spcPct val="100000"/>
+              </a:lnSpc>
+              <a:spcBef>
+                <a:spcPts val="600"/>
+              </a:spcBef>
+              <a:buNone/>
+            </a:pPr>
+            <a:r>
+              <a:rPr lang="en-US" altLang="zh-TW" sz="2400" dirty="0">
+                <a:latin typeface="+mn-lt"/>
+              </a:rPr>
+              <a:t>Down below is an example of using Bun to create a Vite + React project in Windows:</a:t>
+            </a:r>
+          </a:p>
+          <a:p>
+            <a:pPr marL="0" indent="0">
+              <a:lnSpc>
+                <a:spcPct val="100000"/>
+              </a:lnSpc>
+              <a:spcBef>
+                <a:spcPts val="600"/>
+              </a:spcBef>
+              <a:buNone/>
+            </a:pPr>
+            <a:r>
+              <a:rPr lang="en-US" altLang="zh-TW" sz="2000" dirty="0">
+                <a:latin typeface="+mn-lt"/>
+              </a:rPr>
+              <a:t>	</a:t>
+            </a:r>
+            <a:r>
+              <a:rPr lang="en-US" altLang="zh-TW" sz="2000" dirty="0">
+                <a:highlight>
+                  <a:srgbClr val="FFFF00"/>
+                </a:highlight>
+                <a:latin typeface="+mn-lt"/>
+              </a:rPr>
+              <a:t>bun create </a:t>
+            </a:r>
+            <a:r>
+              <a:rPr lang="en-US" altLang="zh-TW" sz="2000" dirty="0" err="1">
+                <a:highlight>
+                  <a:srgbClr val="FFFF00"/>
+                </a:highlight>
+                <a:latin typeface="+mn-lt"/>
+              </a:rPr>
+              <a:t>vite</a:t>
+            </a:r>
+            <a:endParaRPr lang="en-US" altLang="zh-TW" sz="2000" dirty="0">
+              <a:highlight>
+                <a:srgbClr val="FFFF00"/>
+              </a:highlight>
+              <a:latin typeface="+mn-lt"/>
+            </a:endParaRPr>
+          </a:p>
+          <a:p>
+            <a:pPr marL="0" indent="0">
+              <a:lnSpc>
+                <a:spcPct val="100000"/>
+              </a:lnSpc>
+              <a:spcBef>
+                <a:spcPts val="600"/>
+              </a:spcBef>
+              <a:buNone/>
+            </a:pPr>
+            <a:r>
+              <a:rPr lang="en-US" altLang="zh-TW" sz="2000" dirty="0">
+                <a:latin typeface="+mn-lt"/>
+              </a:rPr>
+              <a:t>	enter [project name]</a:t>
+            </a:r>
+          </a:p>
+          <a:p>
+            <a:pPr marL="0" indent="0">
+              <a:lnSpc>
+                <a:spcPct val="100000"/>
+              </a:lnSpc>
+              <a:spcBef>
+                <a:spcPts val="600"/>
+              </a:spcBef>
+              <a:buNone/>
+            </a:pPr>
+            <a:r>
+              <a:rPr lang="en-US" altLang="zh-TW" sz="2000" dirty="0">
+                <a:latin typeface="+mn-lt"/>
+              </a:rPr>
+              <a:t>	select "</a:t>
+            </a:r>
+            <a:r>
+              <a:rPr lang="en-US" altLang="zh-TW" sz="2000" dirty="0">
+                <a:highlight>
+                  <a:srgbClr val="FFFF00"/>
+                </a:highlight>
+                <a:latin typeface="+mn-lt"/>
+              </a:rPr>
+              <a:t>React</a:t>
+            </a:r>
+            <a:r>
+              <a:rPr lang="en-US" altLang="zh-TW" sz="2000" dirty="0">
+                <a:latin typeface="+mn-lt"/>
+              </a:rPr>
+              <a:t>"</a:t>
+            </a:r>
+          </a:p>
+          <a:p>
+            <a:pPr marL="0" indent="0">
+              <a:lnSpc>
+                <a:spcPct val="100000"/>
+              </a:lnSpc>
+              <a:spcBef>
+                <a:spcPts val="600"/>
+              </a:spcBef>
+              <a:buNone/>
+            </a:pPr>
+            <a:r>
+              <a:rPr lang="en-US" altLang="zh-TW" sz="2000" dirty="0">
+                <a:latin typeface="+mn-lt"/>
+              </a:rPr>
+              <a:t>	select "</a:t>
+            </a:r>
+            <a:r>
+              <a:rPr lang="en-US" altLang="zh-TW" sz="2000" dirty="0">
+                <a:highlight>
+                  <a:srgbClr val="FFFF00"/>
+                </a:highlight>
+                <a:latin typeface="+mn-lt"/>
+              </a:rPr>
+              <a:t>JavaScript + SWC</a:t>
+            </a:r>
+            <a:r>
+              <a:rPr lang="en-US" altLang="zh-TW" sz="2000" dirty="0">
+                <a:latin typeface="+mn-lt"/>
+              </a:rPr>
+              <a:t>"</a:t>
+            </a:r>
+          </a:p>
+          <a:p>
+            <a:pPr marL="0" indent="0">
+              <a:lnSpc>
+                <a:spcPct val="100000"/>
+              </a:lnSpc>
+              <a:spcBef>
+                <a:spcPts val="600"/>
+              </a:spcBef>
+              <a:buNone/>
+            </a:pPr>
+            <a:r>
+              <a:rPr lang="en-US" altLang="zh-TW" sz="2000" dirty="0">
+                <a:latin typeface="+mn-lt"/>
+              </a:rPr>
+              <a:t>	cd [project name]</a:t>
+            </a:r>
+          </a:p>
+          <a:p>
+            <a:pPr marL="0" indent="0">
+              <a:lnSpc>
+                <a:spcPct val="100000"/>
+              </a:lnSpc>
+              <a:spcBef>
+                <a:spcPts val="600"/>
+              </a:spcBef>
+              <a:buNone/>
+            </a:pPr>
+            <a:r>
+              <a:rPr lang="en-US" altLang="zh-TW" sz="2000" dirty="0">
+                <a:latin typeface="+mn-lt"/>
+              </a:rPr>
+              <a:t>	</a:t>
+            </a:r>
+            <a:r>
+              <a:rPr lang="en-US" altLang="zh-TW" sz="2000" dirty="0">
+                <a:highlight>
+                  <a:srgbClr val="FFFF00"/>
+                </a:highlight>
+                <a:latin typeface="+mn-lt"/>
+              </a:rPr>
+              <a:t>bun install</a:t>
+            </a:r>
+          </a:p>
+          <a:p>
+            <a:pPr marL="0" indent="0">
+              <a:lnSpc>
+                <a:spcPct val="100000"/>
+              </a:lnSpc>
+              <a:spcBef>
+                <a:spcPts val="600"/>
+              </a:spcBef>
+              <a:buNone/>
+            </a:pPr>
+            <a:r>
+              <a:rPr lang="en-US" altLang="zh-TW" sz="2400" dirty="0">
+                <a:latin typeface="+mn-lt"/>
+              </a:rPr>
+              <a:t>Then change the script:</a:t>
+            </a:r>
+          </a:p>
+          <a:p>
+            <a:pPr marL="0" indent="0">
+              <a:lnSpc>
+                <a:spcPct val="100000"/>
+              </a:lnSpc>
+              <a:spcBef>
+                <a:spcPts val="600"/>
+              </a:spcBef>
+              <a:buNone/>
+            </a:pPr>
+            <a:r>
+              <a:rPr lang="en-US" altLang="zh-TW" sz="2000" dirty="0">
+                <a:latin typeface="+mn-lt"/>
+              </a:rPr>
+              <a:t>	go "</a:t>
+            </a:r>
+            <a:r>
+              <a:rPr lang="en-US" altLang="zh-TW" sz="2000" dirty="0" err="1">
+                <a:latin typeface="+mn-lt"/>
+              </a:rPr>
+              <a:t>package.json</a:t>
+            </a:r>
+            <a:r>
+              <a:rPr lang="en-US" altLang="zh-TW" sz="2000" dirty="0">
+                <a:latin typeface="+mn-lt"/>
+              </a:rPr>
+              <a:t>"</a:t>
+            </a:r>
+          </a:p>
+          <a:p>
+            <a:pPr marL="0" indent="0">
+              <a:lnSpc>
+                <a:spcPct val="100000"/>
+              </a:lnSpc>
+              <a:spcBef>
+                <a:spcPts val="600"/>
+              </a:spcBef>
+              <a:buNone/>
+            </a:pPr>
+            <a:r>
+              <a:rPr lang="en-US" altLang="zh-TW" sz="2000" dirty="0">
+                <a:latin typeface="+mn-lt"/>
+              </a:rPr>
+              <a:t>	change "dev" value into "</a:t>
+            </a:r>
+            <a:r>
+              <a:rPr lang="en-US" altLang="zh-TW" sz="2000" dirty="0">
+                <a:highlight>
+                  <a:srgbClr val="FFFF00"/>
+                </a:highlight>
+                <a:latin typeface="+mn-lt"/>
+              </a:rPr>
+              <a:t>bun --bun </a:t>
+            </a:r>
+            <a:r>
+              <a:rPr lang="en-US" altLang="zh-TW" sz="2000" dirty="0" err="1">
+                <a:highlight>
+                  <a:srgbClr val="FFFF00"/>
+                </a:highlight>
+                <a:latin typeface="+mn-lt"/>
+              </a:rPr>
+              <a:t>vite</a:t>
+            </a:r>
+            <a:r>
+              <a:rPr lang="en-US" altLang="zh-TW" sz="2000" dirty="0">
+                <a:latin typeface="+mn-lt"/>
+              </a:rPr>
+              <a:t>"</a:t>
+            </a:r>
+          </a:p>
+          <a:p>
+            <a:pPr marL="0" indent="0">
+              <a:lnSpc>
+                <a:spcPct val="100000"/>
+              </a:lnSpc>
+              <a:spcBef>
+                <a:spcPts val="600"/>
+              </a:spcBef>
+              <a:buNone/>
+            </a:pPr>
+            <a:r>
+              <a:rPr lang="en-US" altLang="zh-TW" sz="2000" dirty="0">
+                <a:latin typeface="+mn-lt"/>
+              </a:rPr>
+              <a:t>	</a:t>
+            </a:r>
+            <a:r>
+              <a:rPr lang="en-US" altLang="zh-TW" sz="2000" dirty="0">
+                <a:highlight>
+                  <a:srgbClr val="FFFF00"/>
+                </a:highlight>
+                <a:latin typeface="+mn-lt"/>
+              </a:rPr>
+              <a:t>bun run dev</a:t>
+            </a:r>
+            <a:r>
+              <a:rPr lang="en-US" altLang="zh-TW" sz="2000" dirty="0">
+                <a:latin typeface="+mn-lt"/>
+              </a:rPr>
+              <a:t> // to create local website</a:t>
+            </a:r>
+          </a:p>
+          <a:p>
+            <a:pPr marL="0" indent="0">
+              <a:lnSpc>
+                <a:spcPct val="100000"/>
+              </a:lnSpc>
+              <a:spcBef>
+                <a:spcPts val="600"/>
+              </a:spcBef>
+              <a:buNone/>
+            </a:pPr>
+            <a:r>
+              <a:rPr lang="en-US" altLang="zh-TW" sz="2400" dirty="0">
+                <a:latin typeface="+mn-lt"/>
+              </a:rPr>
+              <a:t>Done! Now we've created a React + Vite project.</a:t>
+            </a:r>
+            <a:endParaRPr lang="en-US" altLang="zh-TW" dirty="0">
+              <a:latin typeface="+mn-lt"/>
             </a:endParaRPr>
           </a:p>
         </p:txBody>
@@ -13006,7 +13376,7 @@
     </p:spTree>
     <p:extLst>
       <p:ext uri="{BB962C8B-B14F-4D97-AF65-F5344CB8AC3E}">
-        <p14:creationId xmlns:p14="http://schemas.microsoft.com/office/powerpoint/2010/main" val="1918701955"/>
+        <p14:creationId xmlns:p14="http://schemas.microsoft.com/office/powerpoint/2010/main" val="3557945083"/>
       </p:ext>
     </p:extLst>
   </p:cSld>
@@ -13035,6 +13405,293 @@
       </p:grpSpPr>
       <p:sp>
         <p:nvSpPr>
+          <p:cNvPr id="2" name="標題 1">
+            <a:extLst>
+              <a:ext uri="{FF2B5EF4-FFF2-40B4-BE49-F238E27FC236}">
+                <a16:creationId xmlns:a16="http://schemas.microsoft.com/office/drawing/2014/main" id="{009FB28F-C9D7-439B-B863-44B4E851A0B0}"/>
+              </a:ext>
+            </a:extLst>
+          </p:cNvPr>
+          <p:cNvSpPr>
+            <a:spLocks noGrp="1"/>
+          </p:cNvSpPr>
+          <p:nvPr>
+            <p:ph type="ctrTitle"/>
+          </p:nvPr>
+        </p:nvSpPr>
+        <p:spPr/>
+        <p:txBody>
+          <a:bodyPr rtlCol="0"/>
+          <a:lstStyle/>
+          <a:p>
+            <a:pPr rtl="0"/>
+            <a:r>
+              <a:rPr lang="zh-TW" altLang="en-US" dirty="0">
+                <a:ea typeface="Microsoft JhengHei UI" panose="020B0604030504040204" pitchFamily="34" charset="-120"/>
+              </a:rPr>
+              <a:t>課後心得</a:t>
+            </a:r>
+          </a:p>
+        </p:txBody>
+      </p:sp>
+      <p:sp>
+        <p:nvSpPr>
+          <p:cNvPr id="8" name="副標題 7">
+            <a:extLst>
+              <a:ext uri="{FF2B5EF4-FFF2-40B4-BE49-F238E27FC236}">
+                <a16:creationId xmlns:a16="http://schemas.microsoft.com/office/drawing/2014/main" id="{50061247-EA4F-4DFA-AFCE-648487762CF7}"/>
+              </a:ext>
+            </a:extLst>
+          </p:cNvPr>
+          <p:cNvSpPr>
+            <a:spLocks noGrp="1"/>
+          </p:cNvSpPr>
+          <p:nvPr>
+            <p:ph type="subTitle" idx="1"/>
+          </p:nvPr>
+        </p:nvSpPr>
+        <p:spPr/>
+        <p:txBody>
+          <a:bodyPr rtlCol="0"/>
+          <a:lstStyle/>
+          <a:p>
+            <a:pPr rtl="0"/>
+            <a:r>
+              <a:rPr lang="zh-TW" altLang="en-US" dirty="0">
+                <a:ea typeface="Microsoft JhengHei UI" panose="020B0604030504040204" pitchFamily="34" charset="-120"/>
+              </a:rPr>
+              <a:t>好快就到了</a:t>
+            </a:r>
+            <a:r>
+              <a:rPr lang="en-US" altLang="zh-TW" dirty="0">
+                <a:ea typeface="Microsoft JhengHei UI" panose="020B0604030504040204" pitchFamily="34" charset="-120"/>
+              </a:rPr>
+              <a:t>React</a:t>
+            </a:r>
+            <a:r>
+              <a:rPr lang="zh-TW" altLang="en-US" dirty="0">
+                <a:ea typeface="Microsoft JhengHei UI" panose="020B0604030504040204" pitchFamily="34" charset="-120"/>
+              </a:rPr>
+              <a:t>的部分了，</a:t>
+            </a:r>
+            <a:r>
+              <a:rPr lang="en-US" altLang="zh-TW" dirty="0">
+                <a:ea typeface="Microsoft JhengHei UI" panose="020B0604030504040204" pitchFamily="34" charset="-120"/>
+              </a:rPr>
+              <a:t>await</a:t>
+            </a:r>
+            <a:r>
+              <a:rPr lang="zh-TW" altLang="en-US" dirty="0">
+                <a:ea typeface="Microsoft JhengHei UI" panose="020B0604030504040204" pitchFamily="34" charset="-120"/>
+              </a:rPr>
+              <a:t>的寫法又更簡化了上一節課程式，且更容易閱讀。</a:t>
+            </a:r>
+            <a:endParaRPr lang="en-US" altLang="zh-TW" dirty="0">
+              <a:ea typeface="Microsoft JhengHei UI" panose="020B0604030504040204" pitchFamily="34" charset="-120"/>
+            </a:endParaRPr>
+          </a:p>
+          <a:p>
+            <a:pPr rtl="0"/>
+            <a:r>
+              <a:rPr lang="en-US" altLang="zh-TW" dirty="0"/>
+              <a:t>React</a:t>
+            </a:r>
+            <a:r>
+              <a:rPr lang="zh-TW" altLang="en-US" dirty="0"/>
+              <a:t> </a:t>
+            </a:r>
+            <a:r>
+              <a:rPr lang="en-US" altLang="zh-TW" dirty="0"/>
+              <a:t>+</a:t>
+            </a:r>
+            <a:r>
+              <a:rPr lang="zh-TW" altLang="en-US" dirty="0"/>
+              <a:t> </a:t>
+            </a:r>
+            <a:r>
+              <a:rPr lang="en-US" altLang="zh-TW" dirty="0"/>
+              <a:t>Vite</a:t>
+            </a:r>
+            <a:r>
+              <a:rPr lang="zh-TW" altLang="en-US" dirty="0"/>
+              <a:t>的範例專案裡的架構有點複雜，它拆成很多塊去互相連結，有點難直接看出來彼此的關係。</a:t>
+            </a:r>
+            <a:endParaRPr lang="zh-TW" altLang="en-US" dirty="0">
+              <a:ea typeface="Microsoft JhengHei UI" panose="020B0604030504040204" pitchFamily="34" charset="-120"/>
+            </a:endParaRPr>
+          </a:p>
+        </p:txBody>
+      </p:sp>
+      <p:pic>
+        <p:nvPicPr>
+          <p:cNvPr id="22" name="圖片版面配置區 21" descr="暮色中的群山">
+            <a:extLst>
+              <a:ext uri="{FF2B5EF4-FFF2-40B4-BE49-F238E27FC236}">
+                <a16:creationId xmlns:a16="http://schemas.microsoft.com/office/drawing/2014/main" id="{D8AC51EB-1C22-4303-8354-FC97950C7DE6}"/>
+              </a:ext>
+            </a:extLst>
+          </p:cNvPr>
+          <p:cNvPicPr>
+            <a:picLocks noGrp="1" noChangeAspect="1"/>
+          </p:cNvPicPr>
+          <p:nvPr>
+            <p:ph type="pic" sz="quarter" idx="13"/>
+          </p:nvPr>
+        </p:nvPicPr>
+        <p:blipFill rotWithShape="1">
+          <a:blip r:embed="rId3"/>
+          <a:srcRect t="63" b="63"/>
+          <a:stretch/>
+        </p:blipFill>
+        <p:spPr/>
+      </p:pic>
+      <p:pic>
+        <p:nvPicPr>
+          <p:cNvPr id="18" name="圖片版面配置區 17" descr="日落時的群山">
+            <a:extLst>
+              <a:ext uri="{FF2B5EF4-FFF2-40B4-BE49-F238E27FC236}">
+                <a16:creationId xmlns:a16="http://schemas.microsoft.com/office/drawing/2014/main" id="{B503D699-E643-4969-9463-5C6331D0C869}"/>
+              </a:ext>
+            </a:extLst>
+          </p:cNvPr>
+          <p:cNvPicPr>
+            <a:picLocks noGrp="1" noChangeAspect="1"/>
+          </p:cNvPicPr>
+          <p:nvPr>
+            <p:ph type="pic" sz="quarter" idx="14"/>
+          </p:nvPr>
+        </p:nvPicPr>
+        <p:blipFill rotWithShape="1">
+          <a:blip r:embed="rId4"/>
+          <a:srcRect t="177" b="177"/>
+          <a:stretch/>
+        </p:blipFill>
+        <p:spPr/>
+      </p:pic>
+      <p:pic>
+        <p:nvPicPr>
+          <p:cNvPr id="20" name="圖片版面配置區 19" descr="日落時的群山">
+            <a:extLst>
+              <a:ext uri="{FF2B5EF4-FFF2-40B4-BE49-F238E27FC236}">
+                <a16:creationId xmlns:a16="http://schemas.microsoft.com/office/drawing/2014/main" id="{B8714555-7486-4DD7-A96C-52C276483584}"/>
+              </a:ext>
+            </a:extLst>
+          </p:cNvPr>
+          <p:cNvPicPr>
+            <a:picLocks noGrp="1" noChangeAspect="1"/>
+          </p:cNvPicPr>
+          <p:nvPr>
+            <p:ph type="pic" sz="quarter" idx="15"/>
+          </p:nvPr>
+        </p:nvPicPr>
+        <p:blipFill rotWithShape="1">
+          <a:blip r:embed="rId5"/>
+          <a:srcRect t="209" b="209"/>
+          <a:stretch/>
+        </p:blipFill>
+        <p:spPr/>
+      </p:pic>
+      <p:sp>
+        <p:nvSpPr>
+          <p:cNvPr id="23" name="頁尾版面配置區 22">
+            <a:extLst>
+              <a:ext uri="{FF2B5EF4-FFF2-40B4-BE49-F238E27FC236}">
+                <a16:creationId xmlns:a16="http://schemas.microsoft.com/office/drawing/2014/main" id="{249ACE4E-0038-4BA2-8883-8C3F73B79C44}"/>
+              </a:ext>
+            </a:extLst>
+          </p:cNvPr>
+          <p:cNvSpPr>
+            <a:spLocks noGrp="1"/>
+          </p:cNvSpPr>
+          <p:nvPr>
+            <p:ph type="ftr" sz="quarter" idx="11"/>
+          </p:nvPr>
+        </p:nvSpPr>
+        <p:spPr/>
+        <p:txBody>
+          <a:bodyPr rtlCol="0"/>
+          <a:lstStyle/>
+          <a:p>
+            <a:r>
+              <a:rPr lang="en-US" altLang="zh-TW" noProof="0" dirty="0">
+                <a:latin typeface="+mj-lt"/>
+              </a:rPr>
+              <a:t>JS and react</a:t>
+            </a:r>
+            <a:endParaRPr lang="zh-TW" altLang="en-US" noProof="0" dirty="0">
+              <a:latin typeface="+mj-lt"/>
+              <a:ea typeface="Microsoft JhengHei UI" panose="020B0604030504040204" pitchFamily="34" charset="-120"/>
+            </a:endParaRPr>
+          </a:p>
+        </p:txBody>
+      </p:sp>
+      <p:sp>
+        <p:nvSpPr>
+          <p:cNvPr id="24" name="投影片編號版面配置區 23">
+            <a:extLst>
+              <a:ext uri="{FF2B5EF4-FFF2-40B4-BE49-F238E27FC236}">
+                <a16:creationId xmlns:a16="http://schemas.microsoft.com/office/drawing/2014/main" id="{9A686A52-7630-4675-B383-8C2AD252EC1F}"/>
+              </a:ext>
+            </a:extLst>
+          </p:cNvPr>
+          <p:cNvSpPr>
+            <a:spLocks noGrp="1"/>
+          </p:cNvSpPr>
+          <p:nvPr>
+            <p:ph type="sldNum" sz="quarter" idx="12"/>
+          </p:nvPr>
+        </p:nvSpPr>
+        <p:spPr/>
+        <p:txBody>
+          <a:bodyPr rtlCol="0"/>
+          <a:lstStyle/>
+          <a:p>
+            <a:pPr rtl="0"/>
+            <a:fld id="{D8DA9DAA-006C-4F4B-980E-E3DF019B24E2}" type="slidenum">
+              <a:rPr lang="en-US" altLang="zh-TW" smtClean="0">
+                <a:ea typeface="Microsoft JhengHei UI" panose="020B0604030504040204" pitchFamily="34" charset="-120"/>
+              </a:rPr>
+              <a:pPr rtl="0"/>
+              <a:t>11</a:t>
+            </a:fld>
+            <a:endParaRPr lang="zh-TW" altLang="en-US" dirty="0">
+              <a:ea typeface="Microsoft JhengHei UI" panose="020B0604030504040204" pitchFamily="34" charset="-120"/>
+            </a:endParaRPr>
+          </a:p>
+        </p:txBody>
+      </p:sp>
+    </p:spTree>
+    <p:extLst>
+      <p:ext uri="{BB962C8B-B14F-4D97-AF65-F5344CB8AC3E}">
+        <p14:creationId xmlns:p14="http://schemas.microsoft.com/office/powerpoint/2010/main" val="1918701955"/>
+      </p:ext>
+    </p:extLst>
+  </p:cSld>
+  <p:clrMapOvr>
+    <a:masterClrMapping/>
+  </p:clrMapOvr>
+</p:sld>
+</file>
+
+<file path=ppt/slides/slide12.xml><?xml version="1.0" encoding="utf-8"?>
+<p:sld xmlns:a="http://schemas.openxmlformats.org/drawingml/2006/main" xmlns:r="http://schemas.openxmlformats.org/officeDocument/2006/relationships" xmlns:p="http://schemas.openxmlformats.org/presentationml/2006/main">
+  <p:cSld>
+    <p:spTree>
+      <p:nvGrpSpPr>
+        <p:cNvPr id="1" name=""/>
+        <p:cNvGrpSpPr/>
+        <p:nvPr/>
+      </p:nvGrpSpPr>
+      <p:grpSpPr>
+        <a:xfrm>
+          <a:off x="0" y="0"/>
+          <a:ext cx="0" cy="0"/>
+          <a:chOff x="0" y="0"/>
+          <a:chExt cx="0" cy="0"/>
+        </a:xfrm>
+      </p:grpSpPr>
+      <p:sp>
+        <p:nvSpPr>
           <p:cNvPr id="22" name="日期版面配置區 21">
             <a:extLst>
               <a:ext uri="{FF2B5EF4-FFF2-40B4-BE49-F238E27FC236}">
@@ -13091,7 +13748,7 @@
                 <a:ea typeface="Microsoft JhengHei UI" panose="020B0604030504040204" pitchFamily="34" charset="-120"/>
               </a:rPr>
               <a:pPr rtl="0"/>
-              <a:t>11</a:t>
+              <a:t>12</a:t>
             </a:fld>
             <a:endParaRPr lang="zh-TW" altLang="en-US" dirty="0">
               <a:ea typeface="Microsoft JhengHei UI" panose="020B0604030504040204" pitchFamily="34" charset="-120"/>
@@ -13440,7 +14097,7 @@
               <a:rPr lang="en-US" altLang="zh-TW" sz="2000" dirty="0">
                 <a:latin typeface="+mj-lt"/>
               </a:rPr>
-              <a:t>	React</a:t>
+              <a:t>	React + Vite</a:t>
             </a:r>
           </a:p>
           <a:p>
@@ -15039,7 +15696,7 @@
                 <a:latin typeface="+mn-lt"/>
                 <a:ea typeface="Microsoft JhengHei UI" panose="020B0604030504040204" pitchFamily="34" charset="-120"/>
               </a:rPr>
-              <a:t>React</a:t>
+              <a:t>React + Vite</a:t>
             </a:r>
             <a:endParaRPr lang="zh-TW" altLang="en-US" dirty="0">
               <a:latin typeface="+mn-lt"/>
@@ -15113,10 +15770,8 @@
           <a:lstStyle/>
           <a:p>
             <a:r>
-              <a:rPr lang="en-US" altLang="zh-TW" sz="5400" dirty="0">
-                <a:latin typeface="+mj-lt"/>
-              </a:rPr>
-              <a:t>JS Asynchronous</a:t>
+              <a:rPr lang="en-US" altLang="zh-TW" dirty="0"/>
+              <a:t>React + Vite</a:t>
             </a:r>
             <a:endParaRPr lang="zh-TW" altLang="en-US" dirty="0">
               <a:latin typeface="+mj-lt"/>
@@ -15174,7 +15829,7 @@
         <p:spPr>
           <a:xfrm>
             <a:off x="838200" y="1319083"/>
-            <a:ext cx="10820400" cy="4881699"/>
+            <a:ext cx="10820400" cy="5141352"/>
           </a:xfrm>
           <a:prstGeom prst="rect">
             <a:avLst/>
@@ -15349,6 +16004,45 @@
             </a:lvl9pPr>
           </a:lstStyle>
           <a:p>
+            <a:pPr>
+              <a:lnSpc>
+                <a:spcPct val="100000"/>
+              </a:lnSpc>
+              <a:spcBef>
+                <a:spcPts val="600"/>
+              </a:spcBef>
+            </a:pPr>
+            <a:r>
+              <a:rPr lang="en-US" altLang="zh-TW" sz="2400" dirty="0">
+                <a:latin typeface="+mn-lt"/>
+              </a:rPr>
+              <a:t>React, sometimes referred to as a front-end JavaScript </a:t>
+            </a:r>
+            <a:r>
+              <a:rPr lang="en-US" altLang="zh-TW" sz="2400" b="1" dirty="0">
+                <a:latin typeface="+mn-lt"/>
+              </a:rPr>
+              <a:t>framework</a:t>
+            </a:r>
+            <a:r>
+              <a:rPr lang="en-US" altLang="zh-TW" sz="2400" dirty="0">
+                <a:latin typeface="+mn-lt"/>
+              </a:rPr>
+              <a:t>, is a JavaScript library created by Facebook.</a:t>
+            </a:r>
+            <a:br>
+              <a:rPr lang="en-US" altLang="zh-TW" sz="2400" dirty="0">
+                <a:latin typeface="+mn-lt"/>
+              </a:rPr>
+            </a:br>
+            <a:r>
+              <a:rPr lang="en-US" altLang="zh-TW" sz="2400" dirty="0">
+                <a:latin typeface="+mn-lt"/>
+              </a:rPr>
+              <a:t>React is a tool for building UI components.</a:t>
+            </a:r>
+          </a:p>
+          <a:p>
             <a:pPr marL="0" indent="0">
               <a:lnSpc>
                 <a:spcPct val="100000"/>
@@ -15358,11 +16052,83 @@
               </a:spcBef>
               <a:buNone/>
             </a:pPr>
-            <a:r>
-              <a:rPr lang="en-US" altLang="zh-TW" sz="2000" dirty="0">
+            <a:endParaRPr lang="en-US" altLang="zh-TW" sz="2400" dirty="0">
+              <a:latin typeface="+mn-lt"/>
+            </a:endParaRPr>
+          </a:p>
+          <a:p>
+            <a:pPr>
+              <a:lnSpc>
+                <a:spcPct val="100000"/>
+              </a:lnSpc>
+              <a:spcBef>
+                <a:spcPts val="600"/>
+              </a:spcBef>
+            </a:pPr>
+            <a:r>
+              <a:rPr lang="en-US" altLang="zh-TW" sz="2400" dirty="0">
                 <a:latin typeface="+mn-lt"/>
               </a:rPr>
-              <a:t>In the real world, callbacks are most often used with asynchronous functions.</a:t>
+              <a:t>Vite is a modern front-end build tool designed for </a:t>
+            </a:r>
+            <a:r>
+              <a:rPr lang="en-US" altLang="zh-TW" sz="2400" b="1" dirty="0">
+                <a:latin typeface="+mn-lt"/>
+              </a:rPr>
+              <a:t>fast</a:t>
+            </a:r>
+            <a:r>
+              <a:rPr lang="en-US" altLang="zh-TW" sz="2400" dirty="0">
+                <a:latin typeface="+mn-lt"/>
+              </a:rPr>
+              <a:t> and </a:t>
+            </a:r>
+            <a:r>
+              <a:rPr lang="en-US" altLang="zh-TW" sz="2400" b="1" dirty="0">
+                <a:latin typeface="+mn-lt"/>
+              </a:rPr>
+              <a:t>efficient</a:t>
+            </a:r>
+            <a:r>
+              <a:rPr lang="en-US" altLang="zh-TW" sz="2400" dirty="0">
+                <a:latin typeface="+mn-lt"/>
+              </a:rPr>
+              <a:t> development of web applications.</a:t>
+            </a:r>
+            <a:br>
+              <a:rPr lang="en-US" altLang="zh-TW" sz="2400" dirty="0">
+                <a:latin typeface="+mn-lt"/>
+              </a:rPr>
+            </a:br>
+            <a:r>
+              <a:rPr lang="en-US" altLang="zh-TW" sz="2400" dirty="0">
+                <a:latin typeface="+mn-lt"/>
+              </a:rPr>
+              <a:t>Created by the developer of Vue.js, Evan You, Vite focuses on improving the developer experience through </a:t>
+            </a:r>
+            <a:r>
+              <a:rPr lang="en-US" altLang="zh-TW" sz="2400" b="1" dirty="0">
+                <a:latin typeface="+mn-lt"/>
+              </a:rPr>
+              <a:t>speed</a:t>
+            </a:r>
+            <a:r>
+              <a:rPr lang="en-US" altLang="zh-TW" sz="2400" dirty="0">
+                <a:latin typeface="+mn-lt"/>
+              </a:rPr>
+              <a:t> and </a:t>
+            </a:r>
+            <a:r>
+              <a:rPr lang="en-US" altLang="zh-TW" sz="2400" b="1" dirty="0">
+                <a:latin typeface="+mn-lt"/>
+              </a:rPr>
+              <a:t>simplicity</a:t>
+            </a:r>
+            <a:r>
+              <a:rPr lang="en-US" altLang="zh-TW" sz="2400" dirty="0">
+                <a:latin typeface="+mn-lt"/>
+              </a:rPr>
+              <a:t>.</a:t>
             </a:r>
           </a:p>
           <a:p>
@@ -15375,93 +16141,43 @@
               </a:spcBef>
               <a:buNone/>
             </a:pPr>
-            <a:r>
-              <a:rPr lang="en-US" altLang="zh-TW" sz="2000" dirty="0">
+            <a:endParaRPr lang="en-US" altLang="zh-TW" sz="2400" dirty="0">
+              <a:latin typeface="+mn-lt"/>
+            </a:endParaRPr>
+          </a:p>
+          <a:p>
+            <a:pPr marL="0" indent="0">
+              <a:lnSpc>
+                <a:spcPct val="100000"/>
+              </a:lnSpc>
+              <a:spcBef>
+                <a:spcPts val="600"/>
+              </a:spcBef>
+              <a:buNone/>
+            </a:pPr>
+            <a:r>
+              <a:rPr lang="en-US" altLang="zh-TW" sz="2400" dirty="0">
                 <a:latin typeface="+mn-lt"/>
               </a:rPr>
-              <a:t>A typical example is JavaScript </a:t>
-            </a:r>
-            <a:r>
-              <a:rPr lang="en-US" altLang="zh-TW" sz="2000" b="1" dirty="0" err="1">
-                <a:highlight>
-                  <a:srgbClr val="FFFF00"/>
-                </a:highlight>
-                <a:latin typeface="+mn-lt"/>
-              </a:rPr>
-              <a:t>setTimeout</a:t>
-            </a:r>
-            <a:r>
-              <a:rPr lang="en-US" altLang="zh-TW" sz="2000" b="1" dirty="0">
-                <a:highlight>
-                  <a:srgbClr val="FFFF00"/>
-                </a:highlight>
-                <a:latin typeface="+mn-lt"/>
-              </a:rPr>
-              <a:t>().</a:t>
-            </a:r>
+              <a:t>To build React + Vite, we need to download Bun first.</a:t>
+            </a:r>
+          </a:p>
+          <a:p>
+            <a:pPr marL="0" indent="0">
+              <a:lnSpc>
+                <a:spcPct val="100000"/>
+              </a:lnSpc>
+              <a:spcBef>
+                <a:spcPts val="600"/>
+              </a:spcBef>
+              <a:buNone/>
+            </a:pPr>
+            <a:endParaRPr lang="en-US" altLang="zh-TW" sz="2400" dirty="0">
+              <a:latin typeface="+mn-lt"/>
+            </a:endParaRPr>
           </a:p>
         </p:txBody>
       </p:sp>
-      <p:pic>
-        <p:nvPicPr>
-          <p:cNvPr id="3" name="圖片 2">
-            <a:extLst>
-              <a:ext uri="{FF2B5EF4-FFF2-40B4-BE49-F238E27FC236}">
-                <a16:creationId xmlns:a16="http://schemas.microsoft.com/office/drawing/2014/main" id="{5BF300F8-9FC6-BD2C-28CE-F7C13A9868AE}"/>
-              </a:ext>
-            </a:extLst>
-          </p:cNvPr>
-          <p:cNvPicPr>
-            <a:picLocks noChangeAspect="1"/>
-          </p:cNvPicPr>
-          <p:nvPr/>
-        </p:nvPicPr>
-        <p:blipFill>
-          <a:blip r:embed="rId2"/>
-          <a:stretch>
-            <a:fillRect/>
-          </a:stretch>
-        </p:blipFill>
-        <p:spPr>
-          <a:xfrm>
-            <a:off x="977347" y="2340431"/>
-            <a:ext cx="6219641" cy="3543535"/>
-          </a:xfrm>
-          <a:prstGeom prst="rect">
-            <a:avLst/>
-          </a:prstGeom>
-        </p:spPr>
-      </p:pic>
-      <p:pic>
-        <p:nvPicPr>
-          <p:cNvPr id="7" name="圖片 6">
-            <a:extLst>
-              <a:ext uri="{FF2B5EF4-FFF2-40B4-BE49-F238E27FC236}">
-                <a16:creationId xmlns:a16="http://schemas.microsoft.com/office/drawing/2014/main" id="{7925AE84-E79A-61F0-08F7-3DAC230951B1}"/>
-              </a:ext>
-            </a:extLst>
-          </p:cNvPr>
-          <p:cNvPicPr>
-            <a:picLocks noChangeAspect="1"/>
-          </p:cNvPicPr>
-          <p:nvPr/>
-        </p:nvPicPr>
-        <p:blipFill>
-          <a:blip r:embed="rId3"/>
-          <a:stretch>
-            <a:fillRect/>
-          </a:stretch>
-        </p:blipFill>
-        <p:spPr>
-          <a:xfrm>
-            <a:off x="7321895" y="2340431"/>
-            <a:ext cx="3748541" cy="1107262"/>
-          </a:xfrm>
-          <a:prstGeom prst="rect">
-            <a:avLst/>
-          </a:prstGeom>
-        </p:spPr>
-      </p:pic>
     </p:spTree>
     <p:extLst>
       <p:ext uri="{BB962C8B-B14F-4D97-AF65-F5344CB8AC3E}">
@@ -15483,7 +16199,7 @@
         <p:cNvPr id="1" name="">
           <a:extLst>
             <a:ext uri="{FF2B5EF4-FFF2-40B4-BE49-F238E27FC236}">
-              <a16:creationId xmlns:a16="http://schemas.microsoft.com/office/drawing/2014/main" id="{EA799413-0F02-9456-328A-C07A2C796BE6}"/>
+              <a16:creationId xmlns:a16="http://schemas.microsoft.com/office/drawing/2014/main" id="{5079B06E-3829-7B4E-96AD-9CB2C18E04FA}"/>
             </a:ext>
           </a:extLst>
         </p:cNvPr>
@@ -15503,7 +16219,7 @@
           <p:cNvPr id="2" name="標題 1">
             <a:extLst>
               <a:ext uri="{FF2B5EF4-FFF2-40B4-BE49-F238E27FC236}">
-                <a16:creationId xmlns:a16="http://schemas.microsoft.com/office/drawing/2014/main" id="{D6E4C7A2-8B3E-7EC0-1666-6A6D6B98FF3F}"/>
+                <a16:creationId xmlns:a16="http://schemas.microsoft.com/office/drawing/2014/main" id="{B1D5B9B4-EF7F-8CD6-B254-D19F53C798CC}"/>
               </a:ext>
             </a:extLst>
           </p:cNvPr>
@@ -15527,10 +16243,8 @@
           <a:lstStyle/>
           <a:p>
             <a:r>
-              <a:rPr lang="en-US" altLang="zh-TW" sz="5400" dirty="0">
-                <a:latin typeface="+mj-lt"/>
-              </a:rPr>
-              <a:t>JS Asynchronous</a:t>
+              <a:rPr lang="en-US" altLang="zh-TW" dirty="0"/>
+              <a:t>React + Vite</a:t>
             </a:r>
             <a:endParaRPr lang="zh-TW" altLang="en-US" dirty="0">
               <a:latin typeface="+mj-lt"/>
@@ -15543,7 +16257,7 @@
           <p:cNvPr id="4" name="投影片編號版面配置區 3">
             <a:extLst>
               <a:ext uri="{FF2B5EF4-FFF2-40B4-BE49-F238E27FC236}">
-                <a16:creationId xmlns:a16="http://schemas.microsoft.com/office/drawing/2014/main" id="{8BD9C5AA-5132-B80D-3CC7-706EE87940D2}"/>
+                <a16:creationId xmlns:a16="http://schemas.microsoft.com/office/drawing/2014/main" id="{FF609985-612B-EFAC-392A-7F231F6B5934}"/>
               </a:ext>
             </a:extLst>
           </p:cNvPr>
@@ -15576,7 +16290,7 @@
           <p:cNvPr id="6" name="內容版面配置區 2">
             <a:extLst>
               <a:ext uri="{FF2B5EF4-FFF2-40B4-BE49-F238E27FC236}">
-                <a16:creationId xmlns:a16="http://schemas.microsoft.com/office/drawing/2014/main" id="{95068940-3B0B-5760-75B8-40E834053A11}"/>
+                <a16:creationId xmlns:a16="http://schemas.microsoft.com/office/drawing/2014/main" id="{F7874136-F43E-F86B-BAF7-CD785F11EFC3}"/>
               </a:ext>
             </a:extLst>
           </p:cNvPr>
@@ -15588,7 +16302,7 @@
         <p:spPr>
           <a:xfrm>
             <a:off x="838200" y="1319083"/>
-            <a:ext cx="10820400" cy="4881699"/>
+            <a:ext cx="10591800" cy="5402392"/>
           </a:xfrm>
           <a:prstGeom prst="rect">
             <a:avLst/>
@@ -15763,6 +16477,71 @@
             </a:lvl9pPr>
           </a:lstStyle>
           <a:p>
+            <a:pPr>
+              <a:lnSpc>
+                <a:spcPct val="100000"/>
+              </a:lnSpc>
+              <a:spcBef>
+                <a:spcPts val="600"/>
+              </a:spcBef>
+            </a:pPr>
+            <a:r>
+              <a:rPr lang="en-US" altLang="zh-TW" sz="2400" dirty="0">
+                <a:latin typeface="+mn-lt"/>
+              </a:rPr>
+              <a:t>Bun is a modern JavaScript runtime designed to provide an </a:t>
+            </a:r>
+            <a:r>
+              <a:rPr lang="en-US" altLang="zh-TW" sz="2400" b="1" dirty="0">
+                <a:latin typeface="+mn-lt"/>
+              </a:rPr>
+              <a:t>all-in-one</a:t>
+            </a:r>
+            <a:r>
+              <a:rPr lang="en-US" altLang="zh-TW" sz="2400" dirty="0">
+                <a:latin typeface="+mn-lt"/>
+              </a:rPr>
+              <a:t> solution for building and running </a:t>
+            </a:r>
+            <a:r>
+              <a:rPr lang="en-US" altLang="zh-TW" sz="2400" b="1" dirty="0">
+                <a:latin typeface="+mn-lt"/>
+              </a:rPr>
+              <a:t>JavaScript</a:t>
+            </a:r>
+            <a:r>
+              <a:rPr lang="en-US" altLang="zh-TW" sz="2400" dirty="0">
+                <a:latin typeface="+mn-lt"/>
+              </a:rPr>
+              <a:t>, </a:t>
+            </a:r>
+            <a:r>
+              <a:rPr lang="en-US" altLang="zh-TW" sz="2400" b="1" dirty="0">
+                <a:latin typeface="+mn-lt"/>
+              </a:rPr>
+              <a:t>TypeScript</a:t>
+            </a:r>
+            <a:r>
+              <a:rPr lang="en-US" altLang="zh-TW" sz="2400" dirty="0">
+                <a:latin typeface="+mn-lt"/>
+              </a:rPr>
+              <a:t>, and other web development projects. It is built from the ground up to be fast, efficient, and developer-friendly.</a:t>
+            </a:r>
+          </a:p>
+          <a:p>
+            <a:pPr>
+              <a:lnSpc>
+                <a:spcPct val="100000"/>
+              </a:lnSpc>
+              <a:spcBef>
+                <a:spcPts val="600"/>
+              </a:spcBef>
+            </a:pPr>
+            <a:endParaRPr lang="en-US" altLang="zh-TW" sz="2400" dirty="0">
+              <a:latin typeface="+mn-lt"/>
+            </a:endParaRPr>
+          </a:p>
+          <a:p>
             <a:pPr marL="0" indent="0">
               <a:lnSpc>
                 <a:spcPct val="100000"/>
@@ -15773,108 +16552,150 @@
               <a:buNone/>
             </a:pPr>
             <a:r>
-              <a:rPr lang="en-US" altLang="zh-TW" sz="2000" dirty="0">
+              <a:rPr lang="en-US" altLang="zh-TW" sz="2400" dirty="0">
                 <a:latin typeface="+mn-lt"/>
               </a:rPr>
-              <a:t>This example shows that it can be built up with multi-layers.</a:t>
+              <a:t>To install Bun in Windows, enter the command in PowerShell:</a:t>
+            </a:r>
+          </a:p>
+          <a:p>
+            <a:pPr marL="0" indent="0">
+              <a:lnSpc>
+                <a:spcPct val="100000"/>
+              </a:lnSpc>
+              <a:spcBef>
+                <a:spcPts val="600"/>
+              </a:spcBef>
+              <a:buNone/>
+            </a:pPr>
+            <a:r>
+              <a:rPr lang="en-US" altLang="zh-TW" sz="2400" dirty="0">
+                <a:latin typeface="+mn-lt"/>
+              </a:rPr>
+              <a:t>	</a:t>
+            </a:r>
+            <a:r>
+              <a:rPr lang="en-US" altLang="zh-TW" sz="2400" dirty="0" err="1">
+                <a:highlight>
+                  <a:srgbClr val="FFFF00"/>
+                </a:highlight>
+                <a:latin typeface="+mn-lt"/>
+              </a:rPr>
+              <a:t>powershell</a:t>
+            </a:r>
+            <a:r>
+              <a:rPr lang="en-US" altLang="zh-TW" sz="2400" dirty="0">
+                <a:highlight>
+                  <a:srgbClr val="FFFF00"/>
+                </a:highlight>
+                <a:latin typeface="+mn-lt"/>
+              </a:rPr>
+              <a:t> -c "</a:t>
+            </a:r>
+            <a:r>
+              <a:rPr lang="en-US" altLang="zh-TW" sz="2400" dirty="0" err="1">
+                <a:highlight>
+                  <a:srgbClr val="FFFF00"/>
+                </a:highlight>
+                <a:latin typeface="+mn-lt"/>
+              </a:rPr>
+              <a:t>irm</a:t>
+            </a:r>
+            <a:r>
+              <a:rPr lang="en-US" altLang="zh-TW" sz="2400" dirty="0">
+                <a:highlight>
+                  <a:srgbClr val="FFFF00"/>
+                </a:highlight>
+                <a:latin typeface="+mn-lt"/>
+              </a:rPr>
+              <a:t> bun.sh/install.ps1 | </a:t>
+            </a:r>
+            <a:r>
+              <a:rPr lang="en-US" altLang="zh-TW" sz="2400" dirty="0" err="1">
+                <a:highlight>
+                  <a:srgbClr val="FFFF00"/>
+                </a:highlight>
+                <a:latin typeface="+mn-lt"/>
+              </a:rPr>
+              <a:t>iex</a:t>
+            </a:r>
+            <a:r>
+              <a:rPr lang="en-US" altLang="zh-TW" sz="2400" dirty="0">
+                <a:highlight>
+                  <a:srgbClr val="FFFF00"/>
+                </a:highlight>
+                <a:latin typeface="+mn-lt"/>
+              </a:rPr>
+              <a:t>“</a:t>
+            </a:r>
+          </a:p>
+          <a:p>
+            <a:pPr marL="0" indent="0">
+              <a:lnSpc>
+                <a:spcPct val="100000"/>
+              </a:lnSpc>
+              <a:spcBef>
+                <a:spcPts val="600"/>
+              </a:spcBef>
+              <a:buNone/>
+            </a:pPr>
+            <a:r>
+              <a:rPr lang="en-US" altLang="zh-TW" sz="2400" dirty="0">
+                <a:latin typeface="+mn-lt"/>
+              </a:rPr>
+              <a:t>For Linux or macOS:</a:t>
+            </a:r>
+          </a:p>
+          <a:p>
+            <a:pPr marL="0" indent="0">
+              <a:lnSpc>
+                <a:spcPct val="100000"/>
+              </a:lnSpc>
+              <a:spcBef>
+                <a:spcPts val="600"/>
+              </a:spcBef>
+              <a:buNone/>
+            </a:pPr>
+            <a:r>
+              <a:rPr lang="en-US" altLang="zh-TW" sz="2400" dirty="0">
+                <a:latin typeface="+mn-lt"/>
+              </a:rPr>
+              <a:t>	</a:t>
+            </a:r>
+            <a:r>
+              <a:rPr lang="en-US" altLang="zh-TW" sz="2400" dirty="0">
+                <a:highlight>
+                  <a:srgbClr val="FFFF00"/>
+                </a:highlight>
+                <a:latin typeface="+mn-lt"/>
+              </a:rPr>
+              <a:t>curl -</a:t>
+            </a:r>
+            <a:r>
+              <a:rPr lang="en-US" altLang="zh-TW" sz="2400" dirty="0" err="1">
+                <a:highlight>
+                  <a:srgbClr val="FFFF00"/>
+                </a:highlight>
+                <a:latin typeface="+mn-lt"/>
+              </a:rPr>
+              <a:t>fsSL</a:t>
+            </a:r>
+            <a:r>
+              <a:rPr lang="en-US" altLang="zh-TW" sz="2400" dirty="0">
+                <a:highlight>
+                  <a:srgbClr val="FFFF00"/>
+                </a:highlight>
+                <a:latin typeface="+mn-lt"/>
+              </a:rPr>
+              <a:t> https://bun.sh/install | bash</a:t>
             </a:r>
           </a:p>
         </p:txBody>
       </p:sp>
-      <p:pic>
-        <p:nvPicPr>
-          <p:cNvPr id="5" name="圖片 4">
-            <a:extLst>
-              <a:ext uri="{FF2B5EF4-FFF2-40B4-BE49-F238E27FC236}">
-                <a16:creationId xmlns:a16="http://schemas.microsoft.com/office/drawing/2014/main" id="{292B559E-5289-10A6-5AC7-04BE14D119C1}"/>
-              </a:ext>
-            </a:extLst>
-          </p:cNvPr>
-          <p:cNvPicPr>
-            <a:picLocks noChangeAspect="1"/>
-          </p:cNvPicPr>
-          <p:nvPr/>
-        </p:nvPicPr>
-        <p:blipFill>
-          <a:blip r:embed="rId2"/>
-          <a:stretch>
-            <a:fillRect/>
-          </a:stretch>
-        </p:blipFill>
-        <p:spPr>
-          <a:xfrm>
-            <a:off x="1256065" y="1778873"/>
-            <a:ext cx="3611216" cy="4587834"/>
-          </a:xfrm>
-          <a:prstGeom prst="rect">
-            <a:avLst/>
-          </a:prstGeom>
-        </p:spPr>
-      </p:pic>
-      <p:pic>
-        <p:nvPicPr>
-          <p:cNvPr id="8" name="圖片 7">
-            <a:extLst>
-              <a:ext uri="{FF2B5EF4-FFF2-40B4-BE49-F238E27FC236}">
-                <a16:creationId xmlns:a16="http://schemas.microsoft.com/office/drawing/2014/main" id="{3990BC55-F0AD-A58B-1EA7-38CBD14FAAE5}"/>
-              </a:ext>
-            </a:extLst>
-          </p:cNvPr>
-          <p:cNvPicPr>
-            <a:picLocks noChangeAspect="1"/>
-          </p:cNvPicPr>
-          <p:nvPr/>
-        </p:nvPicPr>
-        <p:blipFill>
-          <a:blip r:embed="rId3"/>
-          <a:stretch>
-            <a:fillRect/>
-          </a:stretch>
-        </p:blipFill>
-        <p:spPr>
-          <a:xfrm>
-            <a:off x="5285145" y="1778873"/>
-            <a:ext cx="4176907" cy="3157348"/>
-          </a:xfrm>
-          <a:prstGeom prst="rect">
-            <a:avLst/>
-          </a:prstGeom>
-        </p:spPr>
-      </p:pic>
-      <p:pic>
-        <p:nvPicPr>
-          <p:cNvPr id="9" name="圖片 8">
-            <a:extLst>
-              <a:ext uri="{FF2B5EF4-FFF2-40B4-BE49-F238E27FC236}">
-                <a16:creationId xmlns:a16="http://schemas.microsoft.com/office/drawing/2014/main" id="{5E7011A9-8DF0-A992-A3E6-BBB77E5C76A7}"/>
-              </a:ext>
-            </a:extLst>
-          </p:cNvPr>
-          <p:cNvPicPr>
-            <a:picLocks noChangeAspect="1"/>
-          </p:cNvPicPr>
-          <p:nvPr/>
-        </p:nvPicPr>
-        <p:blipFill>
-          <a:blip r:embed="rId4"/>
-          <a:stretch>
-            <a:fillRect/>
-          </a:stretch>
-        </p:blipFill>
-        <p:spPr>
-          <a:xfrm>
-            <a:off x="7140091" y="4326563"/>
-            <a:ext cx="3795844" cy="2040144"/>
-          </a:xfrm>
-          <a:prstGeom prst="rect">
-            <a:avLst/>
-          </a:prstGeom>
-        </p:spPr>
-      </p:pic>
     </p:spTree>
     <p:extLst>
       <p:ext uri="{BB962C8B-B14F-4D97-AF65-F5344CB8AC3E}">
-        <p14:creationId xmlns:p14="http://schemas.microsoft.com/office/powerpoint/2010/main" val="3703897360"/>
+        <p14:creationId xmlns:p14="http://schemas.microsoft.com/office/powerpoint/2010/main" val="1686420224"/>
       </p:ext>
     </p:extLst>
   </p:cSld>
@@ -16676,24 +17497,6 @@
 </file>
 
 <file path=customXml/item1.xml><?xml version="1.0" encoding="utf-8"?>
-<p:properties xmlns:p="http://schemas.microsoft.com/office/2006/metadata/properties" xmlns:xsi="http://www.w3.org/2001/XMLSchema-instance" xmlns:pc="http://schemas.microsoft.com/office/infopath/2007/PartnerControls">
-  <documentManagement>
-    <Status xmlns="71af3243-3dd4-4a8d-8c0d-dd76da1f02a5">Not started</Status>
-    <MediaServiceKeyPoints xmlns="71af3243-3dd4-4a8d-8c0d-dd76da1f02a5" xsi:nil="true"/>
-  </documentManagement>
-</p:properties>
-</file>
-
-<file path=customXml/item2.xml><?xml version="1.0" encoding="utf-8"?>
-<?mso-contentType ?>
-<FormTemplates xmlns="http://schemas.microsoft.com/sharepoint/v3/contenttype/forms">
-  <Display>DocumentLibraryForm</Display>
-  <Edit>DocumentLibraryForm</Edit>
-  <New>DocumentLibraryForm</New>
-</FormTemplates>
-</file>
-
-<file path=customXml/item3.xml><?xml version="1.0" encoding="utf-8"?>
 <ct:contentTypeSchema xmlns:ct="http://schemas.microsoft.com/office/2006/metadata/contentType" xmlns:ma="http://schemas.microsoft.com/office/2006/metadata/properties/metaAttributes" ct:_="" ma:_="" ma:contentTypeName="Document" ma:contentTypeID="0x01010079F111ED35F8CC479449609E8A0923A6" ma:contentTypeVersion="12" ma:contentTypeDescription="Create a new document." ma:contentTypeScope="" ma:versionID="426e97fa315356fffbdcd9876fe988c2">
   <xsd:schema xmlns:xsd="http://www.w3.org/2001/XMLSchema" xmlns:xs="http://www.w3.org/2001/XMLSchema" xmlns:p="http://schemas.microsoft.com/office/2006/metadata/properties" xmlns:ns2="71af3243-3dd4-4a8d-8c0d-dd76da1f02a5" xmlns:ns3="16c05727-aa75-4e4a-9b5f-8a80a1165891" targetNamespace="http://schemas.microsoft.com/office/2006/metadata/properties" ma:root="true" ma:fieldsID="14b8f0def80e6d70ce3def20c90759ae" ns2:_="" ns3:_="">
     <xsd:import namespace="71af3243-3dd4-4a8d-8c0d-dd76da1f02a5"/>
@@ -16914,25 +17717,25 @@
 </ct:contentTypeSchema>
 </file>
 
-<file path=customXml/itemProps1.xml><?xml version="1.0" encoding="utf-8"?>
-<ds:datastoreItem xmlns:ds="http://schemas.openxmlformats.org/officeDocument/2006/customXml" ds:itemID="{99919F73-B6C2-4A43-95E2-833EC48925FE}">
-  <ds:schemaRefs>
-    <ds:schemaRef ds:uri="http://schemas.microsoft.com/office/2006/metadata/properties"/>
-    <ds:schemaRef ds:uri="http://schemas.microsoft.com/office/infopath/2007/PartnerControls"/>
-    <ds:schemaRef ds:uri="71af3243-3dd4-4a8d-8c0d-dd76da1f02a5"/>
-  </ds:schemaRefs>
-</ds:datastoreItem>
+<file path=customXml/item2.xml><?xml version="1.0" encoding="utf-8"?>
+<?mso-contentType ?>
+<FormTemplates xmlns="http://schemas.microsoft.com/sharepoint/v3/contenttype/forms">
+  <Display>DocumentLibraryForm</Display>
+  <Edit>DocumentLibraryForm</Edit>
+  <New>DocumentLibraryForm</New>
+</FormTemplates>
 </file>
 
-<file path=customXml/itemProps2.xml><?xml version="1.0" encoding="utf-8"?>
-<ds:datastoreItem xmlns:ds="http://schemas.openxmlformats.org/officeDocument/2006/customXml" ds:itemID="{3C8E00D1-8EA3-4E42-801D-0253E1EAFC21}">
-  <ds:schemaRefs>
-    <ds:schemaRef ds:uri="http://schemas.microsoft.com/sharepoint/v3/contenttype/forms"/>
-  </ds:schemaRefs>
-</ds:datastoreItem>
+<file path=customXml/item3.xml><?xml version="1.0" encoding="utf-8"?>
+<p:properties xmlns:p="http://schemas.microsoft.com/office/2006/metadata/properties" xmlns:xsi="http://www.w3.org/2001/XMLSchema-instance" xmlns:pc="http://schemas.microsoft.com/office/infopath/2007/PartnerControls">
+  <documentManagement>
+    <Status xmlns="71af3243-3dd4-4a8d-8c0d-dd76da1f02a5">Not started</Status>
+    <MediaServiceKeyPoints xmlns="71af3243-3dd4-4a8d-8c0d-dd76da1f02a5" xsi:nil="true"/>
+  </documentManagement>
+</p:properties>
 </file>
 
-<file path=customXml/itemProps3.xml><?xml version="1.0" encoding="utf-8"?>
+<file path=customXml/itemProps1.xml><?xml version="1.0" encoding="utf-8"?>
 <ds:datastoreItem xmlns:ds="http://schemas.openxmlformats.org/officeDocument/2006/customXml" ds:itemID="{ABC329F5-30EE-4BF7-AA2A-B837B51416B4}">
   <ds:schemaRefs>
     <ds:schemaRef ds:uri="http://schemas.microsoft.com/office/2006/metadata/contentType"/>
@@ -16949,4 +17752,22 @@
     <ds:schemaRef ds:uri="http://schemas.microsoft.com/internal/obd"/>
   </ds:schemaRefs>
 </ds:datastoreItem>
+</file>
+
+<file path=customXml/itemProps2.xml><?xml version="1.0" encoding="utf-8"?>
+<ds:datastoreItem xmlns:ds="http://schemas.openxmlformats.org/officeDocument/2006/customXml" ds:itemID="{3C8E00D1-8EA3-4E42-801D-0253E1EAFC21}">
+  <ds:schemaRefs>
+    <ds:schemaRef ds:uri="http://schemas.microsoft.com/sharepoint/v3/contenttype/forms"/>
+  </ds:schemaRefs>
+</ds:datastoreItem>
+</file>
+
+<file path=customXml/itemProps3.xml><?xml version="1.0" encoding="utf-8"?>
+<ds:datastoreItem xmlns:ds="http://schemas.openxmlformats.org/officeDocument/2006/customXml" ds:itemID="{99919F73-B6C2-4A43-95E2-833EC48925FE}">
+  <ds:schemaRefs>
+    <ds:schemaRef ds:uri="http://schemas.microsoft.com/office/2006/metadata/properties"/>
+    <ds:schemaRef ds:uri="http://schemas.microsoft.com/office/infopath/2007/PartnerControls"/>
+    <ds:schemaRef ds:uri="71af3243-3dd4-4a8d-8c0d-dd76da1f02a5"/>
+  </ds:schemaRefs>
+</ds:datastoreItem>
 </file>